--- a/Welcome.pptx
+++ b/Welcome.pptx
@@ -636,14 +636,6 @@
           <a:bodyPr/>
           <a:lstStyle/>
           <a:p>
-            <a:r>
-              <a:rPr lang="en-US" dirty="0"/>
-              <a:t>Luc – comment: Are the questions too independent from each other? Or is there enough of a link to build </a:t>
-            </a:r>
-            <a:r>
-              <a:rPr lang="en-US"/>
-              <a:t>a narrative?</a:t>
-            </a:r>
             <a:endParaRPr lang="en-US" dirty="0"/>
           </a:p>
         </p:txBody>
@@ -5310,7 +5302,7 @@
               <a:rPr lang="en-US" dirty="0">
                 <a:latin typeface="Avenir Book"/>
               </a:rPr>
-              <a:t>What/where do you teach?</a:t>
+              <a:t>What classes do you teach?</a:t>
             </a:r>
           </a:p>
           <a:p>
